--- a/mdae-exercises-by-chapter.pptx
+++ b/mdae-exercises-by-chapter.pptx
@@ -246,7 +246,7 @@
           <a:p>
             <a:fld id="{17A98A70-FA8C-4354-959C-C70678AC9BCF}" type="datetimeFigureOut">
               <a:rPr lang="en-US" smtClean="0"/>
-              <a:t>4/10/2024</a:t>
+              <a:t>7/31/2024</a:t>
             </a:fld>
             <a:endParaRPr lang="en-US"/>
           </a:p>
@@ -1737,7 +1737,7 @@
             <a:fld id="{1D8BD707-D9CF-40AE-B4C6-C98DA3205C09}" type="datetimeFigureOut">
               <a:rPr lang="en-US" smtClean="0"/>
               <a:pPr/>
-              <a:t>4/10/2024</a:t>
+              <a:t>7/31/2024</a:t>
             </a:fld>
             <a:endParaRPr lang="en-US"/>
           </a:p>
@@ -1902,7 +1902,7 @@
             <a:fld id="{1D8BD707-D9CF-40AE-B4C6-C98DA3205C09}" type="datetimeFigureOut">
               <a:rPr lang="en-US" smtClean="0"/>
               <a:pPr/>
-              <a:t>4/10/2024</a:t>
+              <a:t>7/31/2024</a:t>
             </a:fld>
             <a:endParaRPr lang="en-US"/>
           </a:p>
@@ -2077,7 +2077,7 @@
             <a:fld id="{1D8BD707-D9CF-40AE-B4C6-C98DA3205C09}" type="datetimeFigureOut">
               <a:rPr lang="en-US" smtClean="0"/>
               <a:pPr/>
-              <a:t>4/10/2024</a:t>
+              <a:t>7/31/2024</a:t>
             </a:fld>
             <a:endParaRPr lang="en-US"/>
           </a:p>
@@ -2242,7 +2242,7 @@
             <a:fld id="{1D8BD707-D9CF-40AE-B4C6-C98DA3205C09}" type="datetimeFigureOut">
               <a:rPr lang="en-US" smtClean="0"/>
               <a:pPr/>
-              <a:t>4/10/2024</a:t>
+              <a:t>7/31/2024</a:t>
             </a:fld>
             <a:endParaRPr lang="en-US"/>
           </a:p>
@@ -2484,7 +2484,7 @@
             <a:fld id="{1D8BD707-D9CF-40AE-B4C6-C98DA3205C09}" type="datetimeFigureOut">
               <a:rPr lang="en-US" smtClean="0"/>
               <a:pPr/>
-              <a:t>4/10/2024</a:t>
+              <a:t>7/31/2024</a:t>
             </a:fld>
             <a:endParaRPr lang="en-US"/>
           </a:p>
@@ -2766,7 +2766,7 @@
             <a:fld id="{1D8BD707-D9CF-40AE-B4C6-C98DA3205C09}" type="datetimeFigureOut">
               <a:rPr lang="en-US" smtClean="0"/>
               <a:pPr/>
-              <a:t>4/10/2024</a:t>
+              <a:t>7/31/2024</a:t>
             </a:fld>
             <a:endParaRPr lang="en-US"/>
           </a:p>
@@ -3182,7 +3182,7 @@
             <a:fld id="{1D8BD707-D9CF-40AE-B4C6-C98DA3205C09}" type="datetimeFigureOut">
               <a:rPr lang="en-US" smtClean="0"/>
               <a:pPr/>
-              <a:t>4/10/2024</a:t>
+              <a:t>7/31/2024</a:t>
             </a:fld>
             <a:endParaRPr lang="en-US"/>
           </a:p>
@@ -3296,7 +3296,7 @@
             <a:fld id="{1D8BD707-D9CF-40AE-B4C6-C98DA3205C09}" type="datetimeFigureOut">
               <a:rPr lang="en-US" smtClean="0"/>
               <a:pPr/>
-              <a:t>4/10/2024</a:t>
+              <a:t>7/31/2024</a:t>
             </a:fld>
             <a:endParaRPr lang="en-US"/>
           </a:p>
@@ -3388,7 +3388,7 @@
             <a:fld id="{1D8BD707-D9CF-40AE-B4C6-C98DA3205C09}" type="datetimeFigureOut">
               <a:rPr lang="en-US" smtClean="0"/>
               <a:pPr/>
-              <a:t>4/10/2024</a:t>
+              <a:t>7/31/2024</a:t>
             </a:fld>
             <a:endParaRPr lang="en-US"/>
           </a:p>
@@ -3660,7 +3660,7 @@
             <a:fld id="{1D8BD707-D9CF-40AE-B4C6-C98DA3205C09}" type="datetimeFigureOut">
               <a:rPr lang="en-US" smtClean="0"/>
               <a:pPr/>
-              <a:t>4/10/2024</a:t>
+              <a:t>7/31/2024</a:t>
             </a:fld>
             <a:endParaRPr lang="en-US"/>
           </a:p>
@@ -3909,7 +3909,7 @@
             <a:fld id="{1D8BD707-D9CF-40AE-B4C6-C98DA3205C09}" type="datetimeFigureOut">
               <a:rPr lang="en-US" smtClean="0"/>
               <a:pPr/>
-              <a:t>4/10/2024</a:t>
+              <a:t>7/31/2024</a:t>
             </a:fld>
             <a:endParaRPr lang="en-US"/>
           </a:p>
@@ -4122,7 +4122,7 @@
             <a:fld id="{1D8BD707-D9CF-40AE-B4C6-C98DA3205C09}" type="datetimeFigureOut">
               <a:rPr lang="en-US" smtClean="0"/>
               <a:pPr/>
-              <a:t>4/10/2024</a:t>
+              <a:t>7/31/2024</a:t>
             </a:fld>
             <a:endParaRPr lang="en-US"/>
           </a:p>
@@ -4577,7 +4577,7 @@
         <p:spPr>
           <a:xfrm>
             <a:off x="260430" y="329879"/>
-            <a:ext cx="12693570" cy="7891391"/>
+            <a:ext cx="12693570" cy="8814721"/>
           </a:xfrm>
           <a:prstGeom prst="rect">
             <a:avLst/>
@@ -4597,8 +4597,23 @@
                 </a:solidFill>
                 <a:latin typeface="Pragmatica" panose="020B0403040502020204" pitchFamily="34" charset="0"/>
               </a:rPr>
-              <a:t>Tables: The portal to modern Excel</a:t>
-            </a:r>
+              <a:t>Tables: The portal to modern </a:t>
+            </a:r>
+            <a:r>
+              <a:rPr lang="en-US" sz="6000" b="1">
+                <a:solidFill>
+                  <a:srgbClr val="CF3338"/>
+                </a:solidFill>
+                <a:latin typeface="Pragmatica" panose="020B0403040502020204" pitchFamily="34" charset="0"/>
+              </a:rPr>
+              <a:t>Excel Exercises</a:t>
+            </a:r>
+            <a:endParaRPr lang="en-US" sz="6000" b="1" dirty="0">
+              <a:solidFill>
+                <a:srgbClr val="CF3338"/>
+              </a:solidFill>
+              <a:latin typeface="Pragmatica" panose="020B0403040502020204" pitchFamily="34" charset="0"/>
+            </a:endParaRPr>
           </a:p>
           <a:p>
             <a:endParaRPr lang="en-US" sz="4200" dirty="0">
